--- a/SQLサーバー接続アプリ.pptx
+++ b/SQLサーバー接続アプリ.pptx
@@ -5,10 +5,12 @@
     <p:sldMasterId id="2147483648" r:id="rId1"/>
   </p:sldMasterIdLst>
   <p:sldIdLst>
-    <p:sldId id="256" r:id="rId2"/>
-    <p:sldId id="257" r:id="rId3"/>
-    <p:sldId id="258" r:id="rId4"/>
-    <p:sldId id="259" r:id="rId5"/>
+    <p:sldId id="260" r:id="rId2"/>
+    <p:sldId id="261" r:id="rId3"/>
+    <p:sldId id="256" r:id="rId4"/>
+    <p:sldId id="257" r:id="rId5"/>
+    <p:sldId id="258" r:id="rId6"/>
+    <p:sldId id="259" r:id="rId7"/>
   </p:sldIdLst>
   <p:sldSz cx="12192000" cy="6858000"/>
   <p:notesSz cx="6858000" cy="9144000"/>
@@ -107,6 +109,11 @@
       </a:defRPr>
     </a:lvl9pPr>
   </p:defaultTextStyle>
+  <p:extLst>
+    <p:ext uri="{EFAFB233-063F-42B5-8137-9DF3F51BA10A}">
+      <p15:sldGuideLst xmlns:p15="http://schemas.microsoft.com/office/powerpoint/2012/main"/>
+    </p:ext>
+  </p:extLst>
 </p:presentation>
 </file>
 
@@ -257,7 +264,7 @@
           <a:p>
             <a:fld id="{5088AE7E-05B7-4F99-B1D5-9E305137766C}" type="datetimeFigureOut">
               <a:rPr kumimoji="1" lang="ja-JP" altLang="en-US" smtClean="0"/>
-              <a:t>2026/1/20</a:t>
+              <a:t>2026/1/21</a:t>
             </a:fld>
             <a:endParaRPr kumimoji="1" lang="ja-JP" altLang="en-US"/>
           </a:p>
@@ -487,7 +494,7 @@
           <a:p>
             <a:fld id="{5088AE7E-05B7-4F99-B1D5-9E305137766C}" type="datetimeFigureOut">
               <a:rPr kumimoji="1" lang="ja-JP" altLang="en-US" smtClean="0"/>
-              <a:t>2026/1/20</a:t>
+              <a:t>2026/1/21</a:t>
             </a:fld>
             <a:endParaRPr kumimoji="1" lang="ja-JP" altLang="en-US"/>
           </a:p>
@@ -727,7 +734,7 @@
           <a:p>
             <a:fld id="{5088AE7E-05B7-4F99-B1D5-9E305137766C}" type="datetimeFigureOut">
               <a:rPr kumimoji="1" lang="ja-JP" altLang="en-US" smtClean="0"/>
-              <a:t>2026/1/20</a:t>
+              <a:t>2026/1/21</a:t>
             </a:fld>
             <a:endParaRPr kumimoji="1" lang="ja-JP" altLang="en-US"/>
           </a:p>
@@ -957,7 +964,7 @@
           <a:p>
             <a:fld id="{5088AE7E-05B7-4F99-B1D5-9E305137766C}" type="datetimeFigureOut">
               <a:rPr kumimoji="1" lang="ja-JP" altLang="en-US" smtClean="0"/>
-              <a:t>2026/1/20</a:t>
+              <a:t>2026/1/21</a:t>
             </a:fld>
             <a:endParaRPr kumimoji="1" lang="ja-JP" altLang="en-US"/>
           </a:p>
@@ -1232,7 +1239,7 @@
           <a:p>
             <a:fld id="{5088AE7E-05B7-4F99-B1D5-9E305137766C}" type="datetimeFigureOut">
               <a:rPr kumimoji="1" lang="ja-JP" altLang="en-US" smtClean="0"/>
-              <a:t>2026/1/20</a:t>
+              <a:t>2026/1/21</a:t>
             </a:fld>
             <a:endParaRPr kumimoji="1" lang="ja-JP" altLang="en-US"/>
           </a:p>
@@ -1561,7 +1568,7 @@
           <a:p>
             <a:fld id="{5088AE7E-05B7-4F99-B1D5-9E305137766C}" type="datetimeFigureOut">
               <a:rPr kumimoji="1" lang="ja-JP" altLang="en-US" smtClean="0"/>
-              <a:t>2026/1/20</a:t>
+              <a:t>2026/1/21</a:t>
             </a:fld>
             <a:endParaRPr kumimoji="1" lang="ja-JP" altLang="en-US"/>
           </a:p>
@@ -2037,7 +2044,7 @@
           <a:p>
             <a:fld id="{5088AE7E-05B7-4F99-B1D5-9E305137766C}" type="datetimeFigureOut">
               <a:rPr kumimoji="1" lang="ja-JP" altLang="en-US" smtClean="0"/>
-              <a:t>2026/1/20</a:t>
+              <a:t>2026/1/21</a:t>
             </a:fld>
             <a:endParaRPr kumimoji="1" lang="ja-JP" altLang="en-US"/>
           </a:p>
@@ -2178,7 +2185,7 @@
           <a:p>
             <a:fld id="{5088AE7E-05B7-4F99-B1D5-9E305137766C}" type="datetimeFigureOut">
               <a:rPr kumimoji="1" lang="ja-JP" altLang="en-US" smtClean="0"/>
-              <a:t>2026/1/20</a:t>
+              <a:t>2026/1/21</a:t>
             </a:fld>
             <a:endParaRPr kumimoji="1" lang="ja-JP" altLang="en-US"/>
           </a:p>
@@ -2291,7 +2298,7 @@
           <a:p>
             <a:fld id="{5088AE7E-05B7-4F99-B1D5-9E305137766C}" type="datetimeFigureOut">
               <a:rPr kumimoji="1" lang="ja-JP" altLang="en-US" smtClean="0"/>
-              <a:t>2026/1/20</a:t>
+              <a:t>2026/1/21</a:t>
             </a:fld>
             <a:endParaRPr kumimoji="1" lang="ja-JP" altLang="en-US"/>
           </a:p>
@@ -2634,7 +2641,7 @@
           <a:p>
             <a:fld id="{5088AE7E-05B7-4F99-B1D5-9E305137766C}" type="datetimeFigureOut">
               <a:rPr kumimoji="1" lang="ja-JP" altLang="en-US" smtClean="0"/>
-              <a:t>2026/1/20</a:t>
+              <a:t>2026/1/21</a:t>
             </a:fld>
             <a:endParaRPr kumimoji="1" lang="ja-JP" altLang="en-US"/>
           </a:p>
@@ -2922,7 +2929,7 @@
           <a:p>
             <a:fld id="{5088AE7E-05B7-4F99-B1D5-9E305137766C}" type="datetimeFigureOut">
               <a:rPr kumimoji="1" lang="ja-JP" altLang="en-US" smtClean="0"/>
-              <a:t>2026/1/20</a:t>
+              <a:t>2026/1/21</a:t>
             </a:fld>
             <a:endParaRPr kumimoji="1" lang="ja-JP" altLang="en-US"/>
           </a:p>
@@ -3195,7 +3202,7 @@
           <a:p>
             <a:fld id="{5088AE7E-05B7-4F99-B1D5-9E305137766C}" type="datetimeFigureOut">
               <a:rPr kumimoji="1" lang="ja-JP" altLang="en-US" smtClean="0"/>
-              <a:t>2026/1/20</a:t>
+              <a:t>2026/1/21</a:t>
             </a:fld>
             <a:endParaRPr kumimoji="1" lang="ja-JP" altLang="en-US"/>
           </a:p>
@@ -3614,6 +3621,1470 @@
       </p:grpSpPr>
       <p:pic>
         <p:nvPicPr>
+          <p:cNvPr id="1042" name="Picture 18" descr="ユーザーアイコン（プロフィールマーク） | 無料イラスト素材｜素材ラボ">
+            <a:extLst>
+              <a:ext uri="{FF2B5EF4-FFF2-40B4-BE49-F238E27FC236}">
+                <a16:creationId xmlns:a16="http://schemas.microsoft.com/office/drawing/2014/main" id="{69D0EF2A-EE3F-237C-BA6C-76FFAE5FDAB9}"/>
+              </a:ext>
+            </a:extLst>
+          </p:cNvPr>
+          <p:cNvPicPr>
+            <a:picLocks noChangeAspect="1" noChangeArrowheads="1"/>
+          </p:cNvPicPr>
+          <p:nvPr/>
+        </p:nvPicPr>
+        <p:blipFill>
+          <a:blip r:embed="rId2">
+            <a:extLst>
+              <a:ext uri="{28A0092B-C50C-407E-A947-70E740481C1C}">
+                <a14:useLocalDpi xmlns:a14="http://schemas.microsoft.com/office/drawing/2010/main" val="0"/>
+              </a:ext>
+            </a:extLst>
+          </a:blip>
+          <a:srcRect/>
+          <a:stretch>
+            <a:fillRect/>
+          </a:stretch>
+        </p:blipFill>
+        <p:spPr bwMode="auto">
+          <a:xfrm>
+            <a:off x="10771102" y="4017104"/>
+            <a:ext cx="1677975" cy="1258481"/>
+          </a:xfrm>
+          <a:prstGeom prst="rect">
+            <a:avLst/>
+          </a:prstGeom>
+          <a:noFill/>
+          <a:extLst>
+            <a:ext uri="{909E8E84-426E-40DD-AFC4-6F175D3DCCD1}">
+              <a14:hiddenFill xmlns:a14="http://schemas.microsoft.com/office/drawing/2010/main">
+                <a:solidFill>
+                  <a:srgbClr val="FFFFFF"/>
+                </a:solidFill>
+              </a14:hiddenFill>
+            </a:ext>
+          </a:extLst>
+        </p:spPr>
+      </p:pic>
+      <p:sp>
+        <p:nvSpPr>
+          <p:cNvPr id="2" name="タイトル 1">
+            <a:extLst>
+              <a:ext uri="{FF2B5EF4-FFF2-40B4-BE49-F238E27FC236}">
+                <a16:creationId xmlns:a16="http://schemas.microsoft.com/office/drawing/2014/main" id="{BD61DA1E-3BCA-7371-4E91-1D57EEC0BE1D}"/>
+              </a:ext>
+            </a:extLst>
+          </p:cNvPr>
+          <p:cNvSpPr>
+            <a:spLocks noGrp="1"/>
+          </p:cNvSpPr>
+          <p:nvPr>
+            <p:ph type="title"/>
+          </p:nvPr>
+        </p:nvSpPr>
+        <p:spPr>
+          <a:xfrm>
+            <a:off x="632614" y="121543"/>
+            <a:ext cx="10515600" cy="1325563"/>
+          </a:xfrm>
+        </p:spPr>
+        <p:txBody>
+          <a:bodyPr/>
+          <a:lstStyle/>
+          <a:p>
+            <a:r>
+              <a:rPr lang="en-US" altLang="ja-JP" dirty="0"/>
+              <a:t>SQL</a:t>
+            </a:r>
+            <a:r>
+              <a:rPr lang="ja-JP" altLang="en-US" dirty="0"/>
+              <a:t>サーバー接続アプリ作成について</a:t>
+            </a:r>
+            <a:endParaRPr kumimoji="1" lang="ja-JP" altLang="en-US" dirty="0"/>
+          </a:p>
+        </p:txBody>
+      </p:sp>
+      <p:sp>
+        <p:nvSpPr>
+          <p:cNvPr id="3" name="コンテンツ プレースホルダー 2">
+            <a:extLst>
+              <a:ext uri="{FF2B5EF4-FFF2-40B4-BE49-F238E27FC236}">
+                <a16:creationId xmlns:a16="http://schemas.microsoft.com/office/drawing/2014/main" id="{75729DFA-2462-277A-DF53-5DA21B152663}"/>
+              </a:ext>
+            </a:extLst>
+          </p:cNvPr>
+          <p:cNvSpPr>
+            <a:spLocks noGrp="1"/>
+          </p:cNvSpPr>
+          <p:nvPr>
+            <p:ph idx="1"/>
+          </p:nvPr>
+        </p:nvSpPr>
+        <p:spPr>
+          <a:xfrm>
+            <a:off x="784058" y="1545688"/>
+            <a:ext cx="10515600" cy="2559476"/>
+          </a:xfrm>
+        </p:spPr>
+        <p:txBody>
+          <a:bodyPr>
+            <a:normAutofit/>
+          </a:bodyPr>
+          <a:lstStyle/>
+          <a:p>
+            <a:r>
+              <a:rPr kumimoji="1" lang="ja-JP" altLang="en-US" sz="1200" dirty="0"/>
+              <a:t>現場では生産に関するデーターを集約したトレサビ用サーバーがあります。</a:t>
+            </a:r>
+            <a:endParaRPr kumimoji="1" lang="en-US" altLang="ja-JP" sz="1200" dirty="0"/>
+          </a:p>
+          <a:p>
+            <a:pPr marL="0" indent="0">
+              <a:buNone/>
+            </a:pPr>
+            <a:r>
+              <a:rPr lang="ja-JP" altLang="en-US" sz="1200" dirty="0"/>
+              <a:t>このサーバーからクラウド環境へ毎日必要なデータを吸い上げ、</a:t>
+            </a:r>
+            <a:endParaRPr lang="en-US" altLang="ja-JP" sz="1200" dirty="0"/>
+          </a:p>
+          <a:p>
+            <a:pPr marL="0" indent="0">
+              <a:buNone/>
+            </a:pPr>
+            <a:r>
+              <a:rPr lang="en-US" altLang="ja-JP" sz="1200" dirty="0" err="1"/>
+              <a:t>PowerPlatform</a:t>
+            </a:r>
+            <a:r>
+              <a:rPr lang="ja-JP" altLang="en-US" sz="1200" dirty="0"/>
+              <a:t>の</a:t>
+            </a:r>
+            <a:r>
+              <a:rPr lang="en-US" altLang="ja-JP" sz="1200" dirty="0" err="1"/>
+              <a:t>PowerApps,PowerBi</a:t>
+            </a:r>
+            <a:r>
+              <a:rPr lang="ja-JP" altLang="en-US" sz="1200" dirty="0"/>
+              <a:t>などでデータを活用しています。</a:t>
+            </a:r>
+            <a:endParaRPr lang="en-US" altLang="ja-JP" sz="1200" dirty="0"/>
+          </a:p>
+          <a:p>
+            <a:pPr marL="0" indent="0">
+              <a:buNone/>
+            </a:pPr>
+            <a:endParaRPr lang="en-US" altLang="ja-JP" sz="1200" dirty="0"/>
+          </a:p>
+          <a:p>
+            <a:pPr marL="0" indent="0">
+              <a:buNone/>
+            </a:pPr>
+            <a:r>
+              <a:rPr lang="ja-JP" altLang="en-US" sz="1200" dirty="0"/>
+              <a:t>これらのデータを閲覧し必要な情報をエクスポートしようと思うと、サーバーの操作知識や、</a:t>
+            </a:r>
+            <a:r>
+              <a:rPr lang="en-US" altLang="ja-JP" sz="1200" dirty="0"/>
+              <a:t>Bi</a:t>
+            </a:r>
+            <a:r>
+              <a:rPr lang="ja-JP" altLang="en-US" sz="1200" dirty="0"/>
+              <a:t>でのエクスポートのやり方など</a:t>
+            </a:r>
+            <a:endParaRPr lang="en-US" altLang="ja-JP" sz="1200" dirty="0"/>
+          </a:p>
+          <a:p>
+            <a:pPr marL="0" indent="0">
+              <a:buNone/>
+            </a:pPr>
+            <a:r>
+              <a:rPr lang="ja-JP" altLang="en-US" sz="1200" dirty="0"/>
+              <a:t>人によっては難易度が高く、まだ全員がそのようなことが出来るわけではないのが現状です。</a:t>
+            </a:r>
+            <a:endParaRPr lang="en-US" altLang="ja-JP" sz="1200" dirty="0"/>
+          </a:p>
+          <a:p>
+            <a:pPr marL="0" indent="0">
+              <a:buNone/>
+            </a:pPr>
+            <a:r>
+              <a:rPr kumimoji="1" lang="ja-JP" altLang="en-US" sz="1200" dirty="0"/>
+              <a:t>またリアルタイムでクラウドにデータを上げられるわけではないので、最新のデータというものが必要な時に取れないということもあります。</a:t>
+            </a:r>
+            <a:endParaRPr kumimoji="1" lang="en-US" altLang="ja-JP" sz="1200" dirty="0"/>
+          </a:p>
+        </p:txBody>
+      </p:sp>
+      <p:grpSp>
+        <p:nvGrpSpPr>
+          <p:cNvPr id="46" name="グループ化 45">
+            <a:extLst>
+              <a:ext uri="{FF2B5EF4-FFF2-40B4-BE49-F238E27FC236}">
+                <a16:creationId xmlns:a16="http://schemas.microsoft.com/office/drawing/2014/main" id="{38B32AEC-DCC6-0397-C870-1BA17D700B04}"/>
+              </a:ext>
+            </a:extLst>
+          </p:cNvPr>
+          <p:cNvGrpSpPr/>
+          <p:nvPr/>
+        </p:nvGrpSpPr>
+        <p:grpSpPr>
+          <a:xfrm>
+            <a:off x="1053927" y="4017104"/>
+            <a:ext cx="9045207" cy="2151545"/>
+            <a:chOff x="391141" y="4066199"/>
+            <a:chExt cx="9045207" cy="2151545"/>
+          </a:xfrm>
+        </p:grpSpPr>
+        <p:pic>
+          <p:nvPicPr>
+            <p:cNvPr id="1038" name="Picture 14" descr="Reporting SharePoint Online External Users with PowerShell">
+              <a:extLst>
+                <a:ext uri="{FF2B5EF4-FFF2-40B4-BE49-F238E27FC236}">
+                  <a16:creationId xmlns:a16="http://schemas.microsoft.com/office/drawing/2014/main" id="{24BA9CC2-F022-0F92-DBF3-616A357FF723}"/>
+                </a:ext>
+              </a:extLst>
+            </p:cNvPr>
+            <p:cNvPicPr>
+              <a:picLocks noChangeAspect="1" noChangeArrowheads="1"/>
+            </p:cNvPicPr>
+            <p:nvPr/>
+          </p:nvPicPr>
+          <p:blipFill>
+            <a:blip r:embed="rId3">
+              <a:extLst>
+                <a:ext uri="{28A0092B-C50C-407E-A947-70E740481C1C}">
+                  <a14:useLocalDpi xmlns:a14="http://schemas.microsoft.com/office/drawing/2010/main" val="0"/>
+                </a:ext>
+              </a:extLst>
+            </a:blip>
+            <a:srcRect/>
+            <a:stretch>
+              <a:fillRect/>
+            </a:stretch>
+          </p:blipFill>
+          <p:spPr bwMode="auto">
+            <a:xfrm>
+              <a:off x="4409639" y="4744878"/>
+              <a:ext cx="953651" cy="978913"/>
+            </a:xfrm>
+            <a:prstGeom prst="rect">
+              <a:avLst/>
+            </a:prstGeom>
+            <a:noFill/>
+            <a:extLst>
+              <a:ext uri="{909E8E84-426E-40DD-AFC4-6F175D3DCCD1}">
+                <a14:hiddenFill xmlns:a14="http://schemas.microsoft.com/office/drawing/2010/main">
+                  <a:solidFill>
+                    <a:srgbClr val="FFFFFF"/>
+                  </a:solidFill>
+                </a14:hiddenFill>
+              </a:ext>
+            </a:extLst>
+          </p:spPr>
+        </p:pic>
+        <p:pic>
+          <p:nvPicPr>
+            <p:cNvPr id="5" name="グラフィックス 4">
+              <a:extLst>
+                <a:ext uri="{FF2B5EF4-FFF2-40B4-BE49-F238E27FC236}">
+                  <a16:creationId xmlns:a16="http://schemas.microsoft.com/office/drawing/2014/main" id="{AEA2BB94-C1B6-66AD-1BF7-C5B94F536A72}"/>
+                </a:ext>
+              </a:extLst>
+            </p:cNvPr>
+            <p:cNvPicPr>
+              <a:picLocks noChangeAspect="1"/>
+            </p:cNvPicPr>
+            <p:nvPr/>
+          </p:nvPicPr>
+          <p:blipFill>
+            <a:blip r:embed="rId4">
+              <a:extLst>
+                <a:ext uri="{96DAC541-7B7A-43D3-8B79-37D633B846F1}">
+                  <asvg:svgBlip xmlns:asvg="http://schemas.microsoft.com/office/drawing/2016/SVG/main" r:embed="rId5"/>
+                </a:ext>
+              </a:extLst>
+            </a:blip>
+            <a:stretch>
+              <a:fillRect/>
+            </a:stretch>
+          </p:blipFill>
+          <p:spPr>
+            <a:xfrm>
+              <a:off x="7959021" y="4892647"/>
+              <a:ext cx="914400" cy="914400"/>
+            </a:xfrm>
+            <a:prstGeom prst="rect">
+              <a:avLst/>
+            </a:prstGeom>
+          </p:spPr>
+        </p:pic>
+        <p:pic>
+          <p:nvPicPr>
+            <p:cNvPr id="1026" name="Picture 2" descr="Power BI Logo [Microsoft] - PNG Logo Vector Brand Downloads (SVG, EPS)">
+              <a:extLst>
+                <a:ext uri="{FF2B5EF4-FFF2-40B4-BE49-F238E27FC236}">
+                  <a16:creationId xmlns:a16="http://schemas.microsoft.com/office/drawing/2014/main" id="{887468D2-4535-08F2-3690-400A4700667C}"/>
+                </a:ext>
+              </a:extLst>
+            </p:cNvPr>
+            <p:cNvPicPr>
+              <a:picLocks noChangeAspect="1" noChangeArrowheads="1"/>
+            </p:cNvPicPr>
+            <p:nvPr/>
+          </p:nvPicPr>
+          <p:blipFill>
+            <a:blip r:embed="rId6">
+              <a:extLst>
+                <a:ext uri="{28A0092B-C50C-407E-A947-70E740481C1C}">
+                  <a14:useLocalDpi xmlns:a14="http://schemas.microsoft.com/office/drawing/2010/main" val="0"/>
+                </a:ext>
+              </a:extLst>
+            </a:blip>
+            <a:srcRect/>
+            <a:stretch>
+              <a:fillRect/>
+            </a:stretch>
+          </p:blipFill>
+          <p:spPr bwMode="auto">
+            <a:xfrm>
+              <a:off x="7211332" y="4066199"/>
+              <a:ext cx="1495379" cy="1107688"/>
+            </a:xfrm>
+            <a:prstGeom prst="rect">
+              <a:avLst/>
+            </a:prstGeom>
+            <a:noFill/>
+            <a:extLst>
+              <a:ext uri="{909E8E84-426E-40DD-AFC4-6F175D3DCCD1}">
+                <a14:hiddenFill xmlns:a14="http://schemas.microsoft.com/office/drawing/2010/main">
+                  <a:solidFill>
+                    <a:srgbClr val="FFFFFF"/>
+                  </a:solidFill>
+                </a14:hiddenFill>
+              </a:ext>
+            </a:extLst>
+          </p:spPr>
+        </p:pic>
+        <p:pic>
+          <p:nvPicPr>
+            <p:cNvPr id="1032" name="Picture 8" descr="サーバー・PCのアイコン | フリーのアイコンイラスト素材 icon-pit">
+              <a:extLst>
+                <a:ext uri="{FF2B5EF4-FFF2-40B4-BE49-F238E27FC236}">
+                  <a16:creationId xmlns:a16="http://schemas.microsoft.com/office/drawing/2014/main" id="{705E0F4E-7B52-1DB2-7D75-582824E78CD1}"/>
+                </a:ext>
+              </a:extLst>
+            </p:cNvPr>
+            <p:cNvPicPr>
+              <a:picLocks noChangeAspect="1" noChangeArrowheads="1"/>
+            </p:cNvPicPr>
+            <p:nvPr/>
+          </p:nvPicPr>
+          <p:blipFill>
+            <a:blip r:embed="rId7">
+              <a:extLst>
+                <a:ext uri="{28A0092B-C50C-407E-A947-70E740481C1C}">
+                  <a14:useLocalDpi xmlns:a14="http://schemas.microsoft.com/office/drawing/2010/main" val="0"/>
+                </a:ext>
+              </a:extLst>
+            </a:blip>
+            <a:srcRect/>
+            <a:stretch>
+              <a:fillRect/>
+            </a:stretch>
+          </p:blipFill>
+          <p:spPr bwMode="auto">
+            <a:xfrm>
+              <a:off x="526308" y="4505614"/>
+              <a:ext cx="1287600" cy="1287600"/>
+            </a:xfrm>
+            <a:prstGeom prst="rect">
+              <a:avLst/>
+            </a:prstGeom>
+            <a:noFill/>
+            <a:extLst>
+              <a:ext uri="{909E8E84-426E-40DD-AFC4-6F175D3DCCD1}">
+                <a14:hiddenFill xmlns:a14="http://schemas.microsoft.com/office/drawing/2010/main">
+                  <a:solidFill>
+                    <a:srgbClr val="FFFFFF"/>
+                  </a:solidFill>
+                </a14:hiddenFill>
+              </a:ext>
+            </a:extLst>
+          </p:spPr>
+        </p:pic>
+        <p:pic>
+          <p:nvPicPr>
+            <p:cNvPr id="1036" name="Picture 12" descr="「クラウド」アイコンのフリー素材（商用可）">
+              <a:extLst>
+                <a:ext uri="{FF2B5EF4-FFF2-40B4-BE49-F238E27FC236}">
+                  <a16:creationId xmlns:a16="http://schemas.microsoft.com/office/drawing/2014/main" id="{B6FF7B97-BDC1-0EBE-EF09-FEF129E1E620}"/>
+                </a:ext>
+              </a:extLst>
+            </p:cNvPr>
+            <p:cNvPicPr>
+              <a:picLocks noChangeAspect="1" noChangeArrowheads="1"/>
+            </p:cNvPicPr>
+            <p:nvPr/>
+          </p:nvPicPr>
+          <p:blipFill>
+            <a:blip r:embed="rId8">
+              <a:extLst>
+                <a:ext uri="{28A0092B-C50C-407E-A947-70E740481C1C}">
+                  <a14:useLocalDpi xmlns:a14="http://schemas.microsoft.com/office/drawing/2010/main" val="0"/>
+                </a:ext>
+              </a:extLst>
+            </a:blip>
+            <a:srcRect/>
+            <a:stretch>
+              <a:fillRect/>
+            </a:stretch>
+          </p:blipFill>
+          <p:spPr bwMode="auto">
+            <a:xfrm>
+              <a:off x="3598866" y="4122606"/>
+              <a:ext cx="1287599" cy="1287599"/>
+            </a:xfrm>
+            <a:prstGeom prst="rect">
+              <a:avLst/>
+            </a:prstGeom>
+            <a:noFill/>
+            <a:extLst>
+              <a:ext uri="{909E8E84-426E-40DD-AFC4-6F175D3DCCD1}">
+                <a14:hiddenFill xmlns:a14="http://schemas.microsoft.com/office/drawing/2010/main">
+                  <a:solidFill>
+                    <a:srgbClr val="FFFFFF"/>
+                  </a:solidFill>
+                </a14:hiddenFill>
+              </a:ext>
+            </a:extLst>
+          </p:spPr>
+        </p:pic>
+        <p:sp>
+          <p:nvSpPr>
+            <p:cNvPr id="31" name="テキスト ボックス 30">
+              <a:extLst>
+                <a:ext uri="{FF2B5EF4-FFF2-40B4-BE49-F238E27FC236}">
+                  <a16:creationId xmlns:a16="http://schemas.microsoft.com/office/drawing/2014/main" id="{577B7BC5-2BA1-63F1-6EBA-4A4C508621F9}"/>
+                </a:ext>
+              </a:extLst>
+            </p:cNvPr>
+            <p:cNvSpPr txBox="1"/>
+            <p:nvPr/>
+          </p:nvSpPr>
+          <p:spPr>
+            <a:xfrm>
+              <a:off x="391141" y="5723482"/>
+              <a:ext cx="1723549" cy="276999"/>
+            </a:xfrm>
+            <a:prstGeom prst="rect">
+              <a:avLst/>
+            </a:prstGeom>
+            <a:noFill/>
+          </p:spPr>
+          <p:txBody>
+            <a:bodyPr wrap="none" rtlCol="0">
+              <a:spAutoFit/>
+            </a:bodyPr>
+            <a:lstStyle/>
+            <a:p>
+              <a:r>
+                <a:rPr kumimoji="1" lang="ja-JP" altLang="en-US" sz="1200" dirty="0"/>
+                <a:t>現場トレサビサーバー</a:t>
+              </a:r>
+            </a:p>
+          </p:txBody>
+        </p:sp>
+        <p:sp>
+          <p:nvSpPr>
+            <p:cNvPr id="32" name="テキスト ボックス 31">
+              <a:extLst>
+                <a:ext uri="{FF2B5EF4-FFF2-40B4-BE49-F238E27FC236}">
+                  <a16:creationId xmlns:a16="http://schemas.microsoft.com/office/drawing/2014/main" id="{EC35DF2C-73A1-14EC-C645-0DFB8054E364}"/>
+                </a:ext>
+              </a:extLst>
+            </p:cNvPr>
+            <p:cNvSpPr txBox="1"/>
+            <p:nvPr/>
+          </p:nvSpPr>
+          <p:spPr>
+            <a:xfrm>
+              <a:off x="3733610" y="5583595"/>
+              <a:ext cx="2185214" cy="461665"/>
+            </a:xfrm>
+            <a:prstGeom prst="rect">
+              <a:avLst/>
+            </a:prstGeom>
+            <a:noFill/>
+          </p:spPr>
+          <p:txBody>
+            <a:bodyPr wrap="none" rtlCol="0">
+              <a:spAutoFit/>
+            </a:bodyPr>
+            <a:lstStyle/>
+            <a:p>
+              <a:r>
+                <a:rPr kumimoji="1" lang="en-US" altLang="ja-JP" sz="1200" dirty="0"/>
+                <a:t>SPO</a:t>
+              </a:r>
+              <a:r>
+                <a:rPr kumimoji="1" lang="ja-JP" altLang="en-US" sz="1200" dirty="0"/>
+                <a:t>リストなど</a:t>
+              </a:r>
+              <a:endParaRPr kumimoji="1" lang="en-US" altLang="ja-JP" sz="1200" dirty="0"/>
+            </a:p>
+            <a:p>
+              <a:r>
+                <a:rPr lang="ja-JP" altLang="en-US" sz="1200" dirty="0"/>
+                <a:t>クラウド環境にアップロード</a:t>
+              </a:r>
+              <a:endParaRPr kumimoji="1" lang="ja-JP" altLang="en-US" sz="1200" dirty="0"/>
+            </a:p>
+          </p:txBody>
+        </p:sp>
+        <p:cxnSp>
+          <p:nvCxnSpPr>
+            <p:cNvPr id="34" name="直線矢印コネクタ 33">
+              <a:extLst>
+                <a:ext uri="{FF2B5EF4-FFF2-40B4-BE49-F238E27FC236}">
+                  <a16:creationId xmlns:a16="http://schemas.microsoft.com/office/drawing/2014/main" id="{392D0989-7420-1A95-3902-E083FAB74633}"/>
+                </a:ext>
+              </a:extLst>
+            </p:cNvPr>
+            <p:cNvCxnSpPr>
+              <a:cxnSpLocks/>
+            </p:cNvCxnSpPr>
+            <p:nvPr/>
+          </p:nvCxnSpPr>
+          <p:spPr>
+            <a:xfrm>
+              <a:off x="1706062" y="5278440"/>
+              <a:ext cx="1779705" cy="0"/>
+            </a:xfrm>
+            <a:prstGeom prst="straightConnector1">
+              <a:avLst/>
+            </a:prstGeom>
+            <a:ln w="38100">
+              <a:tailEnd type="triangle"/>
+            </a:ln>
+          </p:spPr>
+          <p:style>
+            <a:lnRef idx="2">
+              <a:schemeClr val="accent1"/>
+            </a:lnRef>
+            <a:fillRef idx="0">
+              <a:schemeClr val="accent1"/>
+            </a:fillRef>
+            <a:effectRef idx="1">
+              <a:schemeClr val="accent1"/>
+            </a:effectRef>
+            <a:fontRef idx="minor">
+              <a:schemeClr val="tx1"/>
+            </a:fontRef>
+          </p:style>
+        </p:cxnSp>
+        <p:cxnSp>
+          <p:nvCxnSpPr>
+            <p:cNvPr id="41" name="直線矢印コネクタ 40">
+              <a:extLst>
+                <a:ext uri="{FF2B5EF4-FFF2-40B4-BE49-F238E27FC236}">
+                  <a16:creationId xmlns:a16="http://schemas.microsoft.com/office/drawing/2014/main" id="{42BD9DDB-779E-16B2-088F-958C761E9247}"/>
+                </a:ext>
+              </a:extLst>
+            </p:cNvPr>
+            <p:cNvCxnSpPr>
+              <a:cxnSpLocks/>
+            </p:cNvCxnSpPr>
+            <p:nvPr/>
+          </p:nvCxnSpPr>
+          <p:spPr>
+            <a:xfrm>
+              <a:off x="5597782" y="5255849"/>
+              <a:ext cx="1971860" cy="0"/>
+            </a:xfrm>
+            <a:prstGeom prst="straightConnector1">
+              <a:avLst/>
+            </a:prstGeom>
+            <a:ln w="38100">
+              <a:tailEnd type="triangle"/>
+            </a:ln>
+          </p:spPr>
+          <p:style>
+            <a:lnRef idx="2">
+              <a:schemeClr val="accent1"/>
+            </a:lnRef>
+            <a:fillRef idx="0">
+              <a:schemeClr val="accent1"/>
+            </a:fillRef>
+            <a:effectRef idx="1">
+              <a:schemeClr val="accent1"/>
+            </a:effectRef>
+            <a:fontRef idx="minor">
+              <a:schemeClr val="tx1"/>
+            </a:fontRef>
+          </p:style>
+        </p:cxnSp>
+        <p:sp>
+          <p:nvSpPr>
+            <p:cNvPr id="44" name="テキスト ボックス 43">
+              <a:extLst>
+                <a:ext uri="{FF2B5EF4-FFF2-40B4-BE49-F238E27FC236}">
+                  <a16:creationId xmlns:a16="http://schemas.microsoft.com/office/drawing/2014/main" id="{459B96E7-64E4-B14E-D4D7-BF957172A7F1}"/>
+                </a:ext>
+              </a:extLst>
+            </p:cNvPr>
+            <p:cNvSpPr txBox="1"/>
+            <p:nvPr/>
+          </p:nvSpPr>
+          <p:spPr>
+            <a:xfrm>
+              <a:off x="6481693" y="5756079"/>
+              <a:ext cx="2954655" cy="461665"/>
+            </a:xfrm>
+            <a:prstGeom prst="rect">
+              <a:avLst/>
+            </a:prstGeom>
+            <a:noFill/>
+          </p:spPr>
+          <p:txBody>
+            <a:bodyPr wrap="none" rtlCol="0">
+              <a:spAutoFit/>
+            </a:bodyPr>
+            <a:lstStyle/>
+            <a:p>
+              <a:r>
+                <a:rPr kumimoji="1" lang="ja-JP" altLang="en-US" sz="1200" dirty="0"/>
+                <a:t>クラウド環境に上がったデータを用いて</a:t>
+              </a:r>
+              <a:endParaRPr kumimoji="1" lang="en-US" altLang="ja-JP" sz="1200" dirty="0"/>
+            </a:p>
+            <a:p>
+              <a:r>
+                <a:rPr kumimoji="1" lang="en-US" altLang="ja-JP" sz="1200" dirty="0"/>
+                <a:t>Apps</a:t>
+              </a:r>
+              <a:r>
+                <a:rPr kumimoji="1" lang="ja-JP" altLang="en-US" sz="1200" dirty="0"/>
+                <a:t>や</a:t>
+              </a:r>
+              <a:r>
+                <a:rPr kumimoji="1" lang="en-US" altLang="ja-JP" sz="1200" dirty="0"/>
+                <a:t>Bi</a:t>
+              </a:r>
+              <a:r>
+                <a:rPr kumimoji="1" lang="ja-JP" altLang="en-US" sz="1200" dirty="0"/>
+                <a:t>でのデータとして利用</a:t>
+              </a:r>
+            </a:p>
+          </p:txBody>
+        </p:sp>
+      </p:grpSp>
+      <p:sp>
+        <p:nvSpPr>
+          <p:cNvPr id="45" name="テキスト ボックス 44">
+            <a:extLst>
+              <a:ext uri="{FF2B5EF4-FFF2-40B4-BE49-F238E27FC236}">
+                <a16:creationId xmlns:a16="http://schemas.microsoft.com/office/drawing/2014/main" id="{2C85B9F5-8B83-532A-A19A-9EEA022F4100}"/>
+              </a:ext>
+            </a:extLst>
+          </p:cNvPr>
+          <p:cNvSpPr txBox="1"/>
+          <p:nvPr/>
+        </p:nvSpPr>
+        <p:spPr>
+          <a:xfrm>
+            <a:off x="327309" y="1157843"/>
+            <a:ext cx="1005403" cy="338554"/>
+          </a:xfrm>
+          <a:prstGeom prst="rect">
+            <a:avLst/>
+          </a:prstGeom>
+          <a:noFill/>
+        </p:spPr>
+        <p:txBody>
+          <a:bodyPr wrap="none" rtlCol="0">
+            <a:spAutoFit/>
+          </a:bodyPr>
+          <a:lstStyle/>
+          <a:p>
+            <a:r>
+              <a:rPr kumimoji="1" lang="en-US" altLang="ja-JP" sz="1600" dirty="0"/>
+              <a:t>【</a:t>
+            </a:r>
+            <a:r>
+              <a:rPr kumimoji="1" lang="ja-JP" altLang="en-US" sz="1600" dirty="0"/>
+              <a:t>現状</a:t>
+            </a:r>
+            <a:r>
+              <a:rPr kumimoji="1" lang="en-US" altLang="ja-JP" sz="1600" dirty="0"/>
+              <a:t>】</a:t>
+            </a:r>
+            <a:endParaRPr kumimoji="1" lang="ja-JP" altLang="en-US" sz="1600" dirty="0"/>
+          </a:p>
+        </p:txBody>
+      </p:sp>
+      <p:pic>
+        <p:nvPicPr>
+          <p:cNvPr id="1040" name="Picture 16" descr="「csv」アイコンのフリー素材（商用可）">
+            <a:extLst>
+              <a:ext uri="{FF2B5EF4-FFF2-40B4-BE49-F238E27FC236}">
+                <a16:creationId xmlns:a16="http://schemas.microsoft.com/office/drawing/2014/main" id="{1DEF9D9A-E764-8F76-84E1-D8680A74FADB}"/>
+              </a:ext>
+            </a:extLst>
+          </p:cNvPr>
+          <p:cNvPicPr>
+            <a:picLocks noChangeAspect="1" noChangeArrowheads="1"/>
+          </p:cNvPicPr>
+          <p:nvPr/>
+        </p:nvPicPr>
+        <p:blipFill>
+          <a:blip r:embed="rId9">
+            <a:extLst>
+              <a:ext uri="{28A0092B-C50C-407E-A947-70E740481C1C}">
+                <a14:useLocalDpi xmlns:a14="http://schemas.microsoft.com/office/drawing/2010/main" val="0"/>
+              </a:ext>
+            </a:extLst>
+          </a:blip>
+          <a:srcRect/>
+          <a:stretch>
+            <a:fillRect/>
+          </a:stretch>
+        </p:blipFill>
+        <p:spPr bwMode="auto">
+          <a:xfrm>
+            <a:off x="10557295" y="4560468"/>
+            <a:ext cx="1292572" cy="1292572"/>
+          </a:xfrm>
+          <a:prstGeom prst="rect">
+            <a:avLst/>
+          </a:prstGeom>
+          <a:noFill/>
+          <a:extLst>
+            <a:ext uri="{909E8E84-426E-40DD-AFC4-6F175D3DCCD1}">
+              <a14:hiddenFill xmlns:a14="http://schemas.microsoft.com/office/drawing/2010/main">
+                <a:solidFill>
+                  <a:srgbClr val="FFFFFF"/>
+                </a:solidFill>
+              </a14:hiddenFill>
+            </a:ext>
+          </a:extLst>
+        </p:spPr>
+      </p:pic>
+      <p:cxnSp>
+        <p:nvCxnSpPr>
+          <p:cNvPr id="47" name="直線矢印コネクタ 46">
+            <a:extLst>
+              <a:ext uri="{FF2B5EF4-FFF2-40B4-BE49-F238E27FC236}">
+                <a16:creationId xmlns:a16="http://schemas.microsoft.com/office/drawing/2014/main" id="{98F0B9AA-58DD-5F78-7C14-FF07BB8D1710}"/>
+              </a:ext>
+            </a:extLst>
+          </p:cNvPr>
+          <p:cNvCxnSpPr>
+            <a:cxnSpLocks/>
+          </p:cNvCxnSpPr>
+          <p:nvPr/>
+        </p:nvCxnSpPr>
+        <p:spPr>
+          <a:xfrm>
+            <a:off x="9594418" y="5096018"/>
+            <a:ext cx="1052795" cy="0"/>
+          </a:xfrm>
+          <a:prstGeom prst="straightConnector1">
+            <a:avLst/>
+          </a:prstGeom>
+          <a:ln w="38100">
+            <a:tailEnd type="triangle"/>
+          </a:ln>
+        </p:spPr>
+        <p:style>
+          <a:lnRef idx="2">
+            <a:schemeClr val="accent1"/>
+          </a:lnRef>
+          <a:fillRef idx="0">
+            <a:schemeClr val="accent1"/>
+          </a:fillRef>
+          <a:effectRef idx="1">
+            <a:schemeClr val="accent1"/>
+          </a:effectRef>
+          <a:fontRef idx="minor">
+            <a:schemeClr val="tx1"/>
+          </a:fontRef>
+        </p:style>
+      </p:cxnSp>
+      <p:sp>
+        <p:nvSpPr>
+          <p:cNvPr id="49" name="テキスト ボックス 48">
+            <a:extLst>
+              <a:ext uri="{FF2B5EF4-FFF2-40B4-BE49-F238E27FC236}">
+                <a16:creationId xmlns:a16="http://schemas.microsoft.com/office/drawing/2014/main" id="{8BFC646A-8C60-AA93-7635-A2A555A1E7A2}"/>
+              </a:ext>
+            </a:extLst>
+          </p:cNvPr>
+          <p:cNvSpPr txBox="1"/>
+          <p:nvPr/>
+        </p:nvSpPr>
+        <p:spPr>
+          <a:xfrm>
+            <a:off x="10662003" y="5757952"/>
+            <a:ext cx="1107996" cy="461665"/>
+          </a:xfrm>
+          <a:prstGeom prst="rect">
+            <a:avLst/>
+          </a:prstGeom>
+          <a:noFill/>
+        </p:spPr>
+        <p:txBody>
+          <a:bodyPr wrap="none" rtlCol="0">
+            <a:spAutoFit/>
+          </a:bodyPr>
+          <a:lstStyle/>
+          <a:p>
+            <a:r>
+              <a:rPr kumimoji="1" lang="ja-JP" altLang="en-US" sz="1200" dirty="0"/>
+              <a:t>必要な情報を</a:t>
+            </a:r>
+            <a:br>
+              <a:rPr kumimoji="1" lang="en-US" altLang="ja-JP" sz="1200" dirty="0"/>
+            </a:br>
+            <a:r>
+              <a:rPr kumimoji="1" lang="ja-JP" altLang="en-US" sz="1200" dirty="0"/>
+              <a:t>エクスポート</a:t>
+            </a:r>
+          </a:p>
+        </p:txBody>
+      </p:sp>
+    </p:spTree>
+    <p:extLst>
+      <p:ext uri="{BB962C8B-B14F-4D97-AF65-F5344CB8AC3E}">
+        <p14:creationId xmlns:p14="http://schemas.microsoft.com/office/powerpoint/2010/main" val="2539804523"/>
+      </p:ext>
+    </p:extLst>
+  </p:cSld>
+  <p:clrMapOvr>
+    <a:masterClrMapping/>
+  </p:clrMapOvr>
+</p:sld>
+</file>
+
+<file path=ppt/slides/slide2.xml><?xml version="1.0" encoding="utf-8"?>
+<p:sld xmlns:a="http://schemas.openxmlformats.org/drawingml/2006/main" xmlns:r="http://schemas.openxmlformats.org/officeDocument/2006/relationships" xmlns:p="http://schemas.openxmlformats.org/presentationml/2006/main">
+  <p:cSld>
+    <p:spTree>
+      <p:nvGrpSpPr>
+        <p:cNvPr id="1" name="">
+          <a:extLst>
+            <a:ext uri="{FF2B5EF4-FFF2-40B4-BE49-F238E27FC236}">
+              <a16:creationId xmlns:a16="http://schemas.microsoft.com/office/drawing/2014/main" id="{2032D6AB-2C8E-B436-0A59-D008124C0C0A}"/>
+            </a:ext>
+          </a:extLst>
+        </p:cNvPr>
+        <p:cNvGrpSpPr/>
+        <p:nvPr/>
+      </p:nvGrpSpPr>
+      <p:grpSpPr>
+        <a:xfrm>
+          <a:off x="0" y="0"/>
+          <a:ext cx="0" cy="0"/>
+          <a:chOff x="0" y="0"/>
+          <a:chExt cx="0" cy="0"/>
+        </a:xfrm>
+      </p:grpSpPr>
+      <p:sp>
+        <p:nvSpPr>
+          <p:cNvPr id="2" name="タイトル 1">
+            <a:extLst>
+              <a:ext uri="{FF2B5EF4-FFF2-40B4-BE49-F238E27FC236}">
+                <a16:creationId xmlns:a16="http://schemas.microsoft.com/office/drawing/2014/main" id="{A885EDCE-18E8-D301-E436-DE07701194AD}"/>
+              </a:ext>
+            </a:extLst>
+          </p:cNvPr>
+          <p:cNvSpPr>
+            <a:spLocks noGrp="1"/>
+          </p:cNvSpPr>
+          <p:nvPr>
+            <p:ph type="title"/>
+          </p:nvPr>
+        </p:nvSpPr>
+        <p:spPr>
+          <a:xfrm>
+            <a:off x="632614" y="121543"/>
+            <a:ext cx="10515600" cy="1325563"/>
+          </a:xfrm>
+        </p:spPr>
+        <p:txBody>
+          <a:bodyPr/>
+          <a:lstStyle/>
+          <a:p>
+            <a:r>
+              <a:rPr lang="en-US" altLang="ja-JP" dirty="0"/>
+              <a:t>SQL</a:t>
+            </a:r>
+            <a:r>
+              <a:rPr lang="ja-JP" altLang="en-US" dirty="0"/>
+              <a:t>サーバー接続アプリ作成について</a:t>
+            </a:r>
+            <a:endParaRPr kumimoji="1" lang="ja-JP" altLang="en-US" dirty="0"/>
+          </a:p>
+        </p:txBody>
+      </p:sp>
+      <p:sp>
+        <p:nvSpPr>
+          <p:cNvPr id="3" name="コンテンツ プレースホルダー 2">
+            <a:extLst>
+              <a:ext uri="{FF2B5EF4-FFF2-40B4-BE49-F238E27FC236}">
+                <a16:creationId xmlns:a16="http://schemas.microsoft.com/office/drawing/2014/main" id="{356C38B7-4F25-8788-72F1-53145B4389FA}"/>
+              </a:ext>
+            </a:extLst>
+          </p:cNvPr>
+          <p:cNvSpPr>
+            <a:spLocks noGrp="1"/>
+          </p:cNvSpPr>
+          <p:nvPr>
+            <p:ph idx="1"/>
+          </p:nvPr>
+        </p:nvSpPr>
+        <p:spPr>
+          <a:xfrm>
+            <a:off x="784058" y="1545688"/>
+            <a:ext cx="10515600" cy="1458769"/>
+          </a:xfrm>
+        </p:spPr>
+        <p:txBody>
+          <a:bodyPr>
+            <a:normAutofit/>
+          </a:bodyPr>
+          <a:lstStyle/>
+          <a:p>
+            <a:pPr marL="0" indent="0">
+              <a:buNone/>
+            </a:pPr>
+            <a:r>
+              <a:rPr lang="ja-JP" altLang="en-US" sz="1200" dirty="0"/>
+              <a:t>先ほどの</a:t>
+            </a:r>
+            <a:r>
+              <a:rPr lang="en-US" altLang="ja-JP" sz="1200" dirty="0"/>
+              <a:t>2</a:t>
+            </a:r>
+            <a:r>
+              <a:rPr lang="ja-JP" altLang="en-US" sz="1200" dirty="0"/>
+              <a:t>つの現状の問題点である、</a:t>
+            </a:r>
+            <a:endParaRPr lang="en-US" altLang="ja-JP" sz="1200" dirty="0"/>
+          </a:p>
+          <a:p>
+            <a:r>
+              <a:rPr kumimoji="1" lang="ja-JP" altLang="en-US" sz="1200" dirty="0"/>
+              <a:t>エクスポートの難易度</a:t>
+            </a:r>
+            <a:endParaRPr kumimoji="1" lang="en-US" altLang="ja-JP" sz="1200" dirty="0"/>
+          </a:p>
+          <a:p>
+            <a:r>
+              <a:rPr lang="ja-JP" altLang="en-US" sz="1200" dirty="0"/>
+              <a:t>最新データの取得</a:t>
+            </a:r>
+            <a:endParaRPr lang="en-US" altLang="ja-JP" sz="1200" dirty="0"/>
+          </a:p>
+          <a:p>
+            <a:pPr marL="0" indent="0">
+              <a:buNone/>
+            </a:pPr>
+            <a:r>
+              <a:rPr kumimoji="1" lang="ja-JP" altLang="en-US" sz="1200" dirty="0"/>
+              <a:t>これらに対するアプリを作成しましたので、以下ページでアプリ画面を紹介します。発表の際は画面共有で行う予定です。</a:t>
+            </a:r>
+            <a:endParaRPr kumimoji="1" lang="en-US" altLang="ja-JP" sz="1200" dirty="0"/>
+          </a:p>
+        </p:txBody>
+      </p:sp>
+      <p:grpSp>
+        <p:nvGrpSpPr>
+          <p:cNvPr id="46" name="グループ化 45">
+            <a:extLst>
+              <a:ext uri="{FF2B5EF4-FFF2-40B4-BE49-F238E27FC236}">
+                <a16:creationId xmlns:a16="http://schemas.microsoft.com/office/drawing/2014/main" id="{7688A809-09FC-2AE5-B1B9-41FB2C9CFEAE}"/>
+              </a:ext>
+            </a:extLst>
+          </p:cNvPr>
+          <p:cNvGrpSpPr/>
+          <p:nvPr/>
+        </p:nvGrpSpPr>
+        <p:grpSpPr>
+          <a:xfrm>
+            <a:off x="1046243" y="4510348"/>
+            <a:ext cx="7178501" cy="1539646"/>
+            <a:chOff x="391141" y="4505614"/>
+            <a:chExt cx="7178501" cy="1539646"/>
+          </a:xfrm>
+        </p:grpSpPr>
+        <p:pic>
+          <p:nvPicPr>
+            <p:cNvPr id="1032" name="Picture 8" descr="サーバー・PCのアイコン | フリーのアイコンイラスト素材 icon-pit">
+              <a:extLst>
+                <a:ext uri="{FF2B5EF4-FFF2-40B4-BE49-F238E27FC236}">
+                  <a16:creationId xmlns:a16="http://schemas.microsoft.com/office/drawing/2014/main" id="{49B696D0-0CEE-8863-CC99-F93932BB9B28}"/>
+                </a:ext>
+              </a:extLst>
+            </p:cNvPr>
+            <p:cNvPicPr>
+              <a:picLocks noChangeAspect="1" noChangeArrowheads="1"/>
+            </p:cNvPicPr>
+            <p:nvPr/>
+          </p:nvPicPr>
+          <p:blipFill>
+            <a:blip r:embed="rId2">
+              <a:extLst>
+                <a:ext uri="{28A0092B-C50C-407E-A947-70E740481C1C}">
+                  <a14:useLocalDpi xmlns:a14="http://schemas.microsoft.com/office/drawing/2010/main" val="0"/>
+                </a:ext>
+              </a:extLst>
+            </a:blip>
+            <a:srcRect/>
+            <a:stretch>
+              <a:fillRect/>
+            </a:stretch>
+          </p:blipFill>
+          <p:spPr bwMode="auto">
+            <a:xfrm>
+              <a:off x="526308" y="4505614"/>
+              <a:ext cx="1287600" cy="1287600"/>
+            </a:xfrm>
+            <a:prstGeom prst="rect">
+              <a:avLst/>
+            </a:prstGeom>
+            <a:noFill/>
+            <a:extLst>
+              <a:ext uri="{909E8E84-426E-40DD-AFC4-6F175D3DCCD1}">
+                <a14:hiddenFill xmlns:a14="http://schemas.microsoft.com/office/drawing/2010/main">
+                  <a:solidFill>
+                    <a:srgbClr val="FFFFFF"/>
+                  </a:solidFill>
+                </a14:hiddenFill>
+              </a:ext>
+            </a:extLst>
+          </p:spPr>
+        </p:pic>
+        <p:sp>
+          <p:nvSpPr>
+            <p:cNvPr id="31" name="テキスト ボックス 30">
+              <a:extLst>
+                <a:ext uri="{FF2B5EF4-FFF2-40B4-BE49-F238E27FC236}">
+                  <a16:creationId xmlns:a16="http://schemas.microsoft.com/office/drawing/2014/main" id="{EDE32EF9-387D-21CC-5ABE-13EA8E27ED7D}"/>
+                </a:ext>
+              </a:extLst>
+            </p:cNvPr>
+            <p:cNvSpPr txBox="1"/>
+            <p:nvPr/>
+          </p:nvSpPr>
+          <p:spPr>
+            <a:xfrm>
+              <a:off x="391141" y="5723482"/>
+              <a:ext cx="1723549" cy="276999"/>
+            </a:xfrm>
+            <a:prstGeom prst="rect">
+              <a:avLst/>
+            </a:prstGeom>
+            <a:noFill/>
+          </p:spPr>
+          <p:txBody>
+            <a:bodyPr wrap="none" rtlCol="0">
+              <a:spAutoFit/>
+            </a:bodyPr>
+            <a:lstStyle/>
+            <a:p>
+              <a:r>
+                <a:rPr kumimoji="1" lang="ja-JP" altLang="en-US" sz="1200" dirty="0"/>
+                <a:t>現場トレサビサーバー</a:t>
+              </a:r>
+            </a:p>
+          </p:txBody>
+        </p:sp>
+        <p:sp>
+          <p:nvSpPr>
+            <p:cNvPr id="32" name="テキスト ボックス 31">
+              <a:extLst>
+                <a:ext uri="{FF2B5EF4-FFF2-40B4-BE49-F238E27FC236}">
+                  <a16:creationId xmlns:a16="http://schemas.microsoft.com/office/drawing/2014/main" id="{F51C50E6-31D0-2F2F-B438-F48FC14F48C7}"/>
+                </a:ext>
+              </a:extLst>
+            </p:cNvPr>
+            <p:cNvSpPr txBox="1"/>
+            <p:nvPr/>
+          </p:nvSpPr>
+          <p:spPr>
+            <a:xfrm>
+              <a:off x="3733610" y="5583595"/>
+              <a:ext cx="1569660" cy="461665"/>
+            </a:xfrm>
+            <a:prstGeom prst="rect">
+              <a:avLst/>
+            </a:prstGeom>
+            <a:noFill/>
+          </p:spPr>
+          <p:txBody>
+            <a:bodyPr wrap="none" rtlCol="0">
+              <a:spAutoFit/>
+            </a:bodyPr>
+            <a:lstStyle/>
+            <a:p>
+              <a:r>
+                <a:rPr lang="ja-JP" altLang="en-US" sz="1200" dirty="0"/>
+                <a:t>直接サーバーを覗き</a:t>
+              </a:r>
+              <a:br>
+                <a:rPr lang="en-US" altLang="ja-JP" sz="1200" dirty="0"/>
+              </a:br>
+              <a:r>
+                <a:rPr lang="ja-JP" altLang="en-US" sz="1200" dirty="0"/>
+                <a:t>最新データを取得</a:t>
+              </a:r>
+              <a:endParaRPr kumimoji="1" lang="en-US" altLang="ja-JP" sz="1200" dirty="0"/>
+            </a:p>
+          </p:txBody>
+        </p:sp>
+        <p:cxnSp>
+          <p:nvCxnSpPr>
+            <p:cNvPr id="34" name="直線矢印コネクタ 33">
+              <a:extLst>
+                <a:ext uri="{FF2B5EF4-FFF2-40B4-BE49-F238E27FC236}">
+                  <a16:creationId xmlns:a16="http://schemas.microsoft.com/office/drawing/2014/main" id="{15A80FC9-9284-ABFE-3482-1C5E684F9897}"/>
+                </a:ext>
+              </a:extLst>
+            </p:cNvPr>
+            <p:cNvCxnSpPr>
+              <a:cxnSpLocks/>
+            </p:cNvCxnSpPr>
+            <p:nvPr/>
+          </p:nvCxnSpPr>
+          <p:spPr>
+            <a:xfrm>
+              <a:off x="1706062" y="5278440"/>
+              <a:ext cx="1779705" cy="0"/>
+            </a:xfrm>
+            <a:prstGeom prst="straightConnector1">
+              <a:avLst/>
+            </a:prstGeom>
+            <a:ln w="38100">
+              <a:tailEnd type="triangle"/>
+            </a:ln>
+          </p:spPr>
+          <p:style>
+            <a:lnRef idx="2">
+              <a:schemeClr val="accent1"/>
+            </a:lnRef>
+            <a:fillRef idx="0">
+              <a:schemeClr val="accent1"/>
+            </a:fillRef>
+            <a:effectRef idx="1">
+              <a:schemeClr val="accent1"/>
+            </a:effectRef>
+            <a:fontRef idx="minor">
+              <a:schemeClr val="tx1"/>
+            </a:fontRef>
+          </p:style>
+        </p:cxnSp>
+        <p:cxnSp>
+          <p:nvCxnSpPr>
+            <p:cNvPr id="41" name="直線矢印コネクタ 40">
+              <a:extLst>
+                <a:ext uri="{FF2B5EF4-FFF2-40B4-BE49-F238E27FC236}">
+                  <a16:creationId xmlns:a16="http://schemas.microsoft.com/office/drawing/2014/main" id="{4A575BC6-6FCA-DE83-4383-0A7751F1A1C9}"/>
+                </a:ext>
+              </a:extLst>
+            </p:cNvPr>
+            <p:cNvCxnSpPr>
+              <a:cxnSpLocks/>
+            </p:cNvCxnSpPr>
+            <p:nvPr/>
+          </p:nvCxnSpPr>
+          <p:spPr>
+            <a:xfrm>
+              <a:off x="5597782" y="5255849"/>
+              <a:ext cx="1971860" cy="0"/>
+            </a:xfrm>
+            <a:prstGeom prst="straightConnector1">
+              <a:avLst/>
+            </a:prstGeom>
+            <a:ln w="38100">
+              <a:tailEnd type="triangle"/>
+            </a:ln>
+          </p:spPr>
+          <p:style>
+            <a:lnRef idx="2">
+              <a:schemeClr val="accent1"/>
+            </a:lnRef>
+            <a:fillRef idx="0">
+              <a:schemeClr val="accent1"/>
+            </a:fillRef>
+            <a:effectRef idx="1">
+              <a:schemeClr val="accent1"/>
+            </a:effectRef>
+            <a:fontRef idx="minor">
+              <a:schemeClr val="tx1"/>
+            </a:fontRef>
+          </p:style>
+        </p:cxnSp>
+      </p:grpSp>
+      <p:sp>
+        <p:nvSpPr>
+          <p:cNvPr id="45" name="テキスト ボックス 44">
+            <a:extLst>
+              <a:ext uri="{FF2B5EF4-FFF2-40B4-BE49-F238E27FC236}">
+                <a16:creationId xmlns:a16="http://schemas.microsoft.com/office/drawing/2014/main" id="{115CF8A6-1BE0-4705-B621-FEBC7C7D252B}"/>
+              </a:ext>
+            </a:extLst>
+          </p:cNvPr>
+          <p:cNvSpPr txBox="1"/>
+          <p:nvPr/>
+        </p:nvSpPr>
+        <p:spPr>
+          <a:xfrm>
+            <a:off x="327309" y="1157843"/>
+            <a:ext cx="1210588" cy="338554"/>
+          </a:xfrm>
+          <a:prstGeom prst="rect">
+            <a:avLst/>
+          </a:prstGeom>
+          <a:noFill/>
+        </p:spPr>
+        <p:txBody>
+          <a:bodyPr wrap="none" rtlCol="0">
+            <a:spAutoFit/>
+          </a:bodyPr>
+          <a:lstStyle/>
+          <a:p>
+            <a:r>
+              <a:rPr kumimoji="1" lang="en-US" altLang="ja-JP" sz="1600" dirty="0"/>
+              <a:t>【</a:t>
+            </a:r>
+            <a:r>
+              <a:rPr kumimoji="1" lang="ja-JP" altLang="en-US" sz="1600" dirty="0"/>
+              <a:t>成果物</a:t>
+            </a:r>
+            <a:r>
+              <a:rPr kumimoji="1" lang="en-US" altLang="ja-JP" sz="1600" dirty="0"/>
+              <a:t>】</a:t>
+            </a:r>
+            <a:endParaRPr kumimoji="1" lang="ja-JP" altLang="en-US" sz="1600" dirty="0"/>
+          </a:p>
+        </p:txBody>
+      </p:sp>
+      <p:pic>
+        <p:nvPicPr>
+          <p:cNvPr id="2060" name="Picture 12" descr="Python Logo, symbol, meaning, history, PNG, brand">
+            <a:extLst>
+              <a:ext uri="{FF2B5EF4-FFF2-40B4-BE49-F238E27FC236}">
+                <a16:creationId xmlns:a16="http://schemas.microsoft.com/office/drawing/2014/main" id="{DD9328F4-55FA-CC04-7DD2-84F11D177C70}"/>
+              </a:ext>
+            </a:extLst>
+          </p:cNvPr>
+          <p:cNvPicPr>
+            <a:picLocks noChangeAspect="1" noChangeArrowheads="1"/>
+          </p:cNvPicPr>
+          <p:nvPr/>
+        </p:nvPicPr>
+        <p:blipFill>
+          <a:blip r:embed="rId3">
+            <a:extLst>
+              <a:ext uri="{28A0092B-C50C-407E-A947-70E740481C1C}">
+                <a14:useLocalDpi xmlns:a14="http://schemas.microsoft.com/office/drawing/2010/main" val="0"/>
+              </a:ext>
+            </a:extLst>
+          </a:blip>
+          <a:srcRect/>
+          <a:stretch>
+            <a:fillRect/>
+          </a:stretch>
+        </p:blipFill>
+        <p:spPr bwMode="auto">
+          <a:xfrm>
+            <a:off x="4467020" y="4648328"/>
+            <a:ext cx="1284087" cy="722299"/>
+          </a:xfrm>
+          <a:prstGeom prst="rect">
+            <a:avLst/>
+          </a:prstGeom>
+          <a:noFill/>
+          <a:extLst>
+            <a:ext uri="{909E8E84-426E-40DD-AFC4-6F175D3DCCD1}">
+              <a14:hiddenFill xmlns:a14="http://schemas.microsoft.com/office/drawing/2010/main">
+                <a:solidFill>
+                  <a:srgbClr val="FFFFFF"/>
+                </a:solidFill>
+              </a14:hiddenFill>
+            </a:ext>
+          </a:extLst>
+        </p:spPr>
+      </p:pic>
+      <p:pic>
+        <p:nvPicPr>
+          <p:cNvPr id="7" name="Picture 18" descr="ユーザーアイコン（プロフィールマーク） | 無料イラスト素材｜素材ラボ">
+            <a:extLst>
+              <a:ext uri="{FF2B5EF4-FFF2-40B4-BE49-F238E27FC236}">
+                <a16:creationId xmlns:a16="http://schemas.microsoft.com/office/drawing/2014/main" id="{99062811-1807-BE83-3A3D-C62C7BBC4DFE}"/>
+              </a:ext>
+            </a:extLst>
+          </p:cNvPr>
+          <p:cNvPicPr>
+            <a:picLocks noChangeAspect="1" noChangeArrowheads="1"/>
+          </p:cNvPicPr>
+          <p:nvPr/>
+        </p:nvPicPr>
+        <p:blipFill>
+          <a:blip r:embed="rId4">
+            <a:extLst>
+              <a:ext uri="{28A0092B-C50C-407E-A947-70E740481C1C}">
+                <a14:useLocalDpi xmlns:a14="http://schemas.microsoft.com/office/drawing/2010/main" val="0"/>
+              </a:ext>
+            </a:extLst>
+          </a:blip>
+          <a:srcRect/>
+          <a:stretch>
+            <a:fillRect/>
+          </a:stretch>
+        </p:blipFill>
+        <p:spPr bwMode="auto">
+          <a:xfrm>
+            <a:off x="8294042" y="4070933"/>
+            <a:ext cx="1677975" cy="1258481"/>
+          </a:xfrm>
+          <a:prstGeom prst="rect">
+            <a:avLst/>
+          </a:prstGeom>
+          <a:noFill/>
+          <a:extLst>
+            <a:ext uri="{909E8E84-426E-40DD-AFC4-6F175D3DCCD1}">
+              <a14:hiddenFill xmlns:a14="http://schemas.microsoft.com/office/drawing/2010/main">
+                <a:solidFill>
+                  <a:srgbClr val="FFFFFF"/>
+                </a:solidFill>
+              </a14:hiddenFill>
+            </a:ext>
+          </a:extLst>
+        </p:spPr>
+      </p:pic>
+      <p:pic>
+        <p:nvPicPr>
+          <p:cNvPr id="8" name="Picture 16" descr="「csv」アイコンのフリー素材（商用可）">
+            <a:extLst>
+              <a:ext uri="{FF2B5EF4-FFF2-40B4-BE49-F238E27FC236}">
+                <a16:creationId xmlns:a16="http://schemas.microsoft.com/office/drawing/2014/main" id="{EA8E257A-B1D6-5938-58FA-36CF82A139E3}"/>
+              </a:ext>
+            </a:extLst>
+          </p:cNvPr>
+          <p:cNvPicPr>
+            <a:picLocks noChangeAspect="1" noChangeArrowheads="1"/>
+          </p:cNvPicPr>
+          <p:nvPr/>
+        </p:nvPicPr>
+        <p:blipFill>
+          <a:blip r:embed="rId5">
+            <a:extLst>
+              <a:ext uri="{28A0092B-C50C-407E-A947-70E740481C1C}">
+                <a14:useLocalDpi xmlns:a14="http://schemas.microsoft.com/office/drawing/2010/main" val="0"/>
+              </a:ext>
+            </a:extLst>
+          </a:blip>
+          <a:srcRect/>
+          <a:stretch>
+            <a:fillRect/>
+          </a:stretch>
+        </p:blipFill>
+        <p:spPr bwMode="auto">
+          <a:xfrm>
+            <a:off x="8080235" y="4614297"/>
+            <a:ext cx="1292572" cy="1292572"/>
+          </a:xfrm>
+          <a:prstGeom prst="rect">
+            <a:avLst/>
+          </a:prstGeom>
+          <a:noFill/>
+          <a:extLst>
+            <a:ext uri="{909E8E84-426E-40DD-AFC4-6F175D3DCCD1}">
+              <a14:hiddenFill xmlns:a14="http://schemas.microsoft.com/office/drawing/2010/main">
+                <a:solidFill>
+                  <a:srgbClr val="FFFFFF"/>
+                </a:solidFill>
+              </a14:hiddenFill>
+            </a:ext>
+          </a:extLst>
+        </p:spPr>
+      </p:pic>
+      <p:sp>
+        <p:nvSpPr>
+          <p:cNvPr id="10" name="テキスト ボックス 9">
+            <a:extLst>
+              <a:ext uri="{FF2B5EF4-FFF2-40B4-BE49-F238E27FC236}">
+                <a16:creationId xmlns:a16="http://schemas.microsoft.com/office/drawing/2014/main" id="{D500939C-15C7-F767-8F13-E834CA284918}"/>
+              </a:ext>
+            </a:extLst>
+          </p:cNvPr>
+          <p:cNvSpPr txBox="1"/>
+          <p:nvPr/>
+        </p:nvSpPr>
+        <p:spPr>
+          <a:xfrm>
+            <a:off x="8184943" y="5811781"/>
+            <a:ext cx="1107996" cy="461665"/>
+          </a:xfrm>
+          <a:prstGeom prst="rect">
+            <a:avLst/>
+          </a:prstGeom>
+          <a:noFill/>
+        </p:spPr>
+        <p:txBody>
+          <a:bodyPr wrap="none" rtlCol="0">
+            <a:spAutoFit/>
+          </a:bodyPr>
+          <a:lstStyle/>
+          <a:p>
+            <a:r>
+              <a:rPr kumimoji="1" lang="ja-JP" altLang="en-US" sz="1200" dirty="0"/>
+              <a:t>必要な情報を</a:t>
+            </a:r>
+            <a:br>
+              <a:rPr kumimoji="1" lang="en-US" altLang="ja-JP" sz="1200" dirty="0"/>
+            </a:br>
+            <a:r>
+              <a:rPr kumimoji="1" lang="ja-JP" altLang="en-US" sz="1200" dirty="0"/>
+              <a:t>エクスポート</a:t>
+            </a:r>
+          </a:p>
+        </p:txBody>
+      </p:sp>
+    </p:spTree>
+    <p:extLst>
+      <p:ext uri="{BB962C8B-B14F-4D97-AF65-F5344CB8AC3E}">
+        <p14:creationId xmlns:p14="http://schemas.microsoft.com/office/powerpoint/2010/main" val="2474248142"/>
+      </p:ext>
+    </p:extLst>
+  </p:cSld>
+  <p:clrMapOvr>
+    <a:masterClrMapping/>
+  </p:clrMapOvr>
+</p:sld>
+</file>
+
+<file path=ppt/slides/slide3.xml><?xml version="1.0" encoding="utf-8"?>
+<p:sld xmlns:a="http://schemas.openxmlformats.org/drawingml/2006/main" xmlns:r="http://schemas.openxmlformats.org/officeDocument/2006/relationships" xmlns:p="http://schemas.openxmlformats.org/presentationml/2006/main">
+  <p:cSld>
+    <p:spTree>
+      <p:nvGrpSpPr>
+        <p:cNvPr id="1" name=""/>
+        <p:cNvGrpSpPr/>
+        <p:nvPr/>
+      </p:nvGrpSpPr>
+      <p:grpSpPr>
+        <a:xfrm>
+          <a:off x="0" y="0"/>
+          <a:ext cx="0" cy="0"/>
+          <a:chOff x="0" y="0"/>
+          <a:chExt cx="0" cy="0"/>
+        </a:xfrm>
+      </p:grpSpPr>
+      <p:pic>
+        <p:nvPicPr>
           <p:cNvPr id="5" name="図 4">
             <a:extLst>
               <a:ext uri="{FF2B5EF4-FFF2-40B4-BE49-F238E27FC236}">
@@ -3784,7 +5255,7 @@
 </p:sld>
 </file>
 
-<file path=ppt/slides/slide2.xml><?xml version="1.0" encoding="utf-8"?>
+<file path=ppt/slides/slide4.xml><?xml version="1.0" encoding="utf-8"?>
 <p:sld xmlns:a="http://schemas.openxmlformats.org/drawingml/2006/main" xmlns:r="http://schemas.openxmlformats.org/officeDocument/2006/relationships" xmlns:p="http://schemas.openxmlformats.org/presentationml/2006/main">
   <p:cSld>
     <p:spTree>
@@ -3903,7 +5374,7 @@
 </p:sld>
 </file>
 
-<file path=ppt/slides/slide3.xml><?xml version="1.0" encoding="utf-8"?>
+<file path=ppt/slides/slide5.xml><?xml version="1.0" encoding="utf-8"?>
 <p:sld xmlns:a="http://schemas.openxmlformats.org/drawingml/2006/main" xmlns:r="http://schemas.openxmlformats.org/officeDocument/2006/relationships" xmlns:p="http://schemas.openxmlformats.org/presentationml/2006/main">
   <p:cSld>
     <p:spTree>
@@ -4059,7 +5530,7 @@
 </p:sld>
 </file>
 
-<file path=ppt/slides/slide4.xml><?xml version="1.0" encoding="utf-8"?>
+<file path=ppt/slides/slide6.xml><?xml version="1.0" encoding="utf-8"?>
 <p:sld xmlns:a="http://schemas.openxmlformats.org/drawingml/2006/main" xmlns:r="http://schemas.openxmlformats.org/officeDocument/2006/relationships" xmlns:p="http://schemas.openxmlformats.org/presentationml/2006/main">
   <p:cSld>
     <p:spTree>
